--- a/assets/logos/visual_elements.pptx
+++ b/assets/logos/visual_elements.pptx
@@ -5656,4 +5656,247 @@
     </a:ext>
   </a:extLst>
 </a:theme>
+</file>
+
+<file path=customXml/item1.xml><?xml version="1.0" encoding="utf-8"?>
+<ct:contentTypeSchema xmlns:ct="http://schemas.microsoft.com/office/2006/metadata/contentType" xmlns:ma="http://schemas.microsoft.com/office/2006/metadata/properties/metaAttributes" ct:_="" ma:_="" ma:contentTypeName="Document" ma:contentTypeID="0x010100A2AE58AD19F24F48B27DF77C2D055349" ma:contentTypeVersion="11" ma:contentTypeDescription="Create a new document." ma:contentTypeScope="" ma:versionID="977e6bace7cda261a01b0afd7551a3e3">
+  <xsd:schema xmlns:xsd="http://www.w3.org/2001/XMLSchema" xmlns:xs="http://www.w3.org/2001/XMLSchema" xmlns:p="http://schemas.microsoft.com/office/2006/metadata/properties" xmlns:ns2="e2dd518d-5897-4c14-a15f-1f5972e2b268" xmlns:ns3="c6312344-3cb8-4415-bce2-2d9d86e42411" targetNamespace="http://schemas.microsoft.com/office/2006/metadata/properties" ma:root="true" ma:fieldsID="18e6240664e6d84e8eb6d4dbb5c82448" ns2:_="" ns3:_="">
+    <xsd:import namespace="e2dd518d-5897-4c14-a15f-1f5972e2b268"/>
+    <xsd:import namespace="c6312344-3cb8-4415-bce2-2d9d86e42411"/>
+    <xsd:element name="properties">
+      <xsd:complexType>
+        <xsd:sequence>
+          <xsd:element name="documentManagement">
+            <xsd:complexType>
+              <xsd:all>
+                <xsd:element ref="ns2:MediaServiceMetadata" minOccurs="0"/>
+                <xsd:element ref="ns2:MediaServiceFastMetadata" minOccurs="0"/>
+                <xsd:element ref="ns2:lcf76f155ced4ddcb4097134ff3c332f" minOccurs="0"/>
+                <xsd:element ref="ns3:TaxCatchAll" minOccurs="0"/>
+                <xsd:element ref="ns2:MediaServiceOCR" minOccurs="0"/>
+                <xsd:element ref="ns2:MediaServiceGenerationTime" minOccurs="0"/>
+                <xsd:element ref="ns2:MediaServiceEventHashCode" minOccurs="0"/>
+                <xsd:element ref="ns2:MediaServiceDateTaken" minOccurs="0"/>
+                <xsd:element ref="ns3:SharedWithUsers" minOccurs="0"/>
+                <xsd:element ref="ns3:SharedWithDetails" minOccurs="0"/>
+              </xsd:all>
+            </xsd:complexType>
+          </xsd:element>
+        </xsd:sequence>
+      </xsd:complexType>
+    </xsd:element>
+  </xsd:schema>
+  <xsd:schema xmlns:xsd="http://www.w3.org/2001/XMLSchema" xmlns:xs="http://www.w3.org/2001/XMLSchema" xmlns:dms="http://schemas.microsoft.com/office/2006/documentManagement/types" xmlns:pc="http://schemas.microsoft.com/office/infopath/2007/PartnerControls" targetNamespace="e2dd518d-5897-4c14-a15f-1f5972e2b268" elementFormDefault="qualified">
+    <xsd:import namespace="http://schemas.microsoft.com/office/2006/documentManagement/types"/>
+    <xsd:import namespace="http://schemas.microsoft.com/office/infopath/2007/PartnerControls"/>
+    <xsd:element name="MediaServiceMetadata" ma:index="8" nillable="true" ma:displayName="MediaServiceMetadata" ma:hidden="true" ma:internalName="MediaServiceMetadata" ma:readOnly="true">
+      <xsd:simpleType>
+        <xsd:restriction base="dms:Note"/>
+      </xsd:simpleType>
+    </xsd:element>
+    <xsd:element name="MediaServiceFastMetadata" ma:index="9" nillable="true" ma:displayName="MediaServiceFastMetadata" ma:hidden="true" ma:internalName="MediaServiceFastMetadata" ma:readOnly="true">
+      <xsd:simpleType>
+        <xsd:restriction base="dms:Note"/>
+      </xsd:simpleType>
+    </xsd:element>
+    <xsd:element name="lcf76f155ced4ddcb4097134ff3c332f" ma:index="11" nillable="true" ma:taxonomy="true" ma:internalName="lcf76f155ced4ddcb4097134ff3c332f" ma:taxonomyFieldName="MediaServiceImageTags" ma:displayName="Image Tags" ma:readOnly="false" ma:fieldId="{5cf76f15-5ced-4ddc-b409-7134ff3c332f}" ma:taxonomyMulti="true" ma:sspId="fe164b29-4069-4387-b6aa-f01f2a1f4743" ma:termSetId="09814cd3-568e-fe90-9814-8d621ff8fb84" ma:anchorId="fba54fb3-c3e1-fe81-a776-ca4b69148c4d" ma:open="true" ma:isKeyword="false">
+      <xsd:complexType>
+        <xsd:sequence>
+          <xsd:element ref="pc:Terms" minOccurs="0" maxOccurs="1"/>
+        </xsd:sequence>
+      </xsd:complexType>
+    </xsd:element>
+    <xsd:element name="MediaServiceOCR" ma:index="13" nillable="true" ma:displayName="Extracted Text" ma:internalName="MediaServiceOCR" ma:readOnly="true">
+      <xsd:simpleType>
+        <xsd:restriction base="dms:Note">
+          <xsd:maxLength value="255"/>
+        </xsd:restriction>
+      </xsd:simpleType>
+    </xsd:element>
+    <xsd:element name="MediaServiceGenerationTime" ma:index="14" nillable="true" ma:displayName="MediaServiceGenerationTime" ma:hidden="true" ma:internalName="MediaServiceGenerationTime" ma:readOnly="true">
+      <xsd:simpleType>
+        <xsd:restriction base="dms:Text"/>
+      </xsd:simpleType>
+    </xsd:element>
+    <xsd:element name="MediaServiceEventHashCode" ma:index="15" nillable="true" ma:displayName="MediaServiceEventHashCode" ma:hidden="true" ma:internalName="MediaServiceEventHashCode" ma:readOnly="true">
+      <xsd:simpleType>
+        <xsd:restriction base="dms:Text"/>
+      </xsd:simpleType>
+    </xsd:element>
+    <xsd:element name="MediaServiceDateTaken" ma:index="16" nillable="true" ma:displayName="MediaServiceDateTaken" ma:hidden="true" ma:indexed="true" ma:internalName="MediaServiceDateTaken" ma:readOnly="true">
+      <xsd:simpleType>
+        <xsd:restriction base="dms:Text"/>
+      </xsd:simpleType>
+    </xsd:element>
+  </xsd:schema>
+  <xsd:schema xmlns:xsd="http://www.w3.org/2001/XMLSchema" xmlns:xs="http://www.w3.org/2001/XMLSchema" xmlns:dms="http://schemas.microsoft.com/office/2006/documentManagement/types" xmlns:pc="http://schemas.microsoft.com/office/infopath/2007/PartnerControls" targetNamespace="c6312344-3cb8-4415-bce2-2d9d86e42411" elementFormDefault="qualified">
+    <xsd:import namespace="http://schemas.microsoft.com/office/2006/documentManagement/types"/>
+    <xsd:import namespace="http://schemas.microsoft.com/office/infopath/2007/PartnerControls"/>
+    <xsd:element name="TaxCatchAll" ma:index="12" nillable="true" ma:displayName="Taxonomy Catch All Column" ma:hidden="true" ma:list="{91b49f48-fbc3-4fc9-b0b8-dac68774cb8f}" ma:internalName="TaxCatchAll" ma:showField="CatchAllData" ma:web="c6312344-3cb8-4415-bce2-2d9d86e42411">
+      <xsd:complexType>
+        <xsd:complexContent>
+          <xsd:extension base="dms:MultiChoiceLookup">
+            <xsd:sequence>
+              <xsd:element name="Value" type="dms:Lookup" maxOccurs="unbounded" minOccurs="0" nillable="true"/>
+            </xsd:sequence>
+          </xsd:extension>
+        </xsd:complexContent>
+      </xsd:complexType>
+    </xsd:element>
+    <xsd:element name="SharedWithUsers" ma:index="17" nillable="true" ma:displayName="Shared With" ma:internalName="SharedWithUsers" ma:readOnly="true">
+      <xsd:complexType>
+        <xsd:complexContent>
+          <xsd:extension base="dms:UserMulti">
+            <xsd:sequence>
+              <xsd:element name="UserInfo" minOccurs="0" maxOccurs="unbounded">
+                <xsd:complexType>
+                  <xsd:sequence>
+                    <xsd:element name="DisplayName" type="xsd:string" minOccurs="0"/>
+                    <xsd:element name="AccountId" type="dms:UserId" minOccurs="0" nillable="true"/>
+                    <xsd:element name="AccountType" type="xsd:string" minOccurs="0"/>
+                  </xsd:sequence>
+                </xsd:complexType>
+              </xsd:element>
+            </xsd:sequence>
+          </xsd:extension>
+        </xsd:complexContent>
+      </xsd:complexType>
+    </xsd:element>
+    <xsd:element name="SharedWithDetails" ma:index="18" nillable="true" ma:displayName="Shared With Details" ma:internalName="SharedWithDetails" ma:readOnly="true">
+      <xsd:simpleType>
+        <xsd:restriction base="dms:Note">
+          <xsd:maxLength value="255"/>
+        </xsd:restriction>
+      </xsd:simpleType>
+    </xsd:element>
+  </xsd:schema>
+  <xsd:schema xmlns="http://schemas.openxmlformats.org/package/2006/metadata/core-properties" xmlns:xsd="http://www.w3.org/2001/XMLSchema" xmlns:xsi="http://www.w3.org/2001/XMLSchema-instance" xmlns:dc="http://purl.org/dc/elements/1.1/" xmlns:dcterms="http://purl.org/dc/terms/" xmlns:odoc="http://schemas.microsoft.com/internal/obd" targetNamespace="http://schemas.openxmlformats.org/package/2006/metadata/core-properties" elementFormDefault="qualified" attributeFormDefault="unqualified" blockDefault="#all">
+    <xsd:import namespace="http://purl.org/dc/elements/1.1/" schemaLocation="http://dublincore.org/schemas/xmls/qdc/2003/04/02/dc.xsd"/>
+    <xsd:import namespace="http://purl.org/dc/terms/" schemaLocation="http://dublincore.org/schemas/xmls/qdc/2003/04/02/dcterms.xsd"/>
+    <xsd:element name="coreProperties" type="CT_coreProperties"/>
+    <xsd:complexType name="CT_coreProperties">
+      <xsd:all>
+        <xsd:element ref="dc:creator" minOccurs="0" maxOccurs="1"/>
+        <xsd:element ref="dcterms:created" minOccurs="0" maxOccurs="1"/>
+        <xsd:element ref="dc:identifier" minOccurs="0" maxOccurs="1"/>
+        <xsd:element name="contentType" minOccurs="0" maxOccurs="1" type="xsd:string" ma:index="0" ma:displayName="Content Type"/>
+        <xsd:element ref="dc:title" minOccurs="0" maxOccurs="1" ma:index="4" ma:displayName="Title"/>
+        <xsd:element ref="dc:subject" minOccurs="0" maxOccurs="1"/>
+        <xsd:element ref="dc:description" minOccurs="0" maxOccurs="1"/>
+        <xsd:element name="keywords" minOccurs="0" maxOccurs="1" type="xsd:string"/>
+        <xsd:element ref="dc:language" minOccurs="0" maxOccurs="1"/>
+        <xsd:element name="category" minOccurs="0" maxOccurs="1" type="xsd:string"/>
+        <xsd:element name="version" minOccurs="0" maxOccurs="1" type="xsd:string"/>
+        <xsd:element name="revision" minOccurs="0" maxOccurs="1" type="xsd:string">
+          <xsd:annotation>
+            <xsd:documentation>
+                        This value indicates the number of saves or revisions. The application is responsible for updating this value after each revision.
+                    </xsd:documentation>
+          </xsd:annotation>
+        </xsd:element>
+        <xsd:element name="lastModifiedBy" minOccurs="0" maxOccurs="1" type="xsd:string"/>
+        <xsd:element ref="dcterms:modified" minOccurs="0" maxOccurs="1"/>
+        <xsd:element name="contentStatus" minOccurs="0" maxOccurs="1" type="xsd:string"/>
+      </xsd:all>
+    </xsd:complexType>
+  </xsd:schema>
+  <xs:schema xmlns:pc="http://schemas.microsoft.com/office/infopath/2007/PartnerControls" xmlns:xs="http://www.w3.org/2001/XMLSchema" targetNamespace="http://schemas.microsoft.com/office/infopath/2007/PartnerControls" elementFormDefault="qualified" attributeFormDefault="unqualified">
+    <xs:element name="Person">
+      <xs:complexType>
+        <xs:sequence>
+          <xs:element ref="pc:DisplayName" minOccurs="0"/>
+          <xs:element ref="pc:AccountId" minOccurs="0"/>
+          <xs:element ref="pc:AccountType" minOccurs="0"/>
+        </xs:sequence>
+      </xs:complexType>
+    </xs:element>
+    <xs:element name="DisplayName" type="xs:string"/>
+    <xs:element name="AccountId" type="xs:string"/>
+    <xs:element name="AccountType" type="xs:string"/>
+    <xs:element name="BDCAssociatedEntity">
+      <xs:complexType>
+        <xs:sequence>
+          <xs:element ref="pc:BDCEntity" minOccurs="0" maxOccurs="unbounded"/>
+        </xs:sequence>
+        <xs:attribute ref="pc:EntityNamespace"/>
+        <xs:attribute ref="pc:EntityName"/>
+        <xs:attribute ref="pc:SystemInstanceName"/>
+        <xs:attribute ref="pc:AssociationName"/>
+      </xs:complexType>
+    </xs:element>
+    <xs:attribute name="EntityNamespace" type="xs:string"/>
+    <xs:attribute name="EntityName" type="xs:string"/>
+    <xs:attribute name="SystemInstanceName" type="xs:string"/>
+    <xs:attribute name="AssociationName" type="xs:string"/>
+    <xs:element name="BDCEntity">
+      <xs:complexType>
+        <xs:sequence>
+          <xs:element ref="pc:EntityDisplayName" minOccurs="0"/>
+          <xs:element ref="pc:EntityInstanceReference" minOccurs="0"/>
+          <xs:element ref="pc:EntityId1" minOccurs="0"/>
+          <xs:element ref="pc:EntityId2" minOccurs="0"/>
+          <xs:element ref="pc:EntityId3" minOccurs="0"/>
+          <xs:element ref="pc:EntityId4" minOccurs="0"/>
+          <xs:element ref="pc:EntityId5" minOccurs="0"/>
+        </xs:sequence>
+      </xs:complexType>
+    </xs:element>
+    <xs:element name="EntityDisplayName" type="xs:string"/>
+    <xs:element name="EntityInstanceReference" type="xs:string"/>
+    <xs:element name="EntityId1" type="xs:string"/>
+    <xs:element name="EntityId2" type="xs:string"/>
+    <xs:element name="EntityId3" type="xs:string"/>
+    <xs:element name="EntityId4" type="xs:string"/>
+    <xs:element name="EntityId5" type="xs:string"/>
+    <xs:element name="Terms">
+      <xs:complexType>
+        <xs:sequence>
+          <xs:element ref="pc:TermInfo" minOccurs="0" maxOccurs="unbounded"/>
+        </xs:sequence>
+      </xs:complexType>
+    </xs:element>
+    <xs:element name="TermInfo">
+      <xs:complexType>
+        <xs:sequence>
+          <xs:element ref="pc:TermName" minOccurs="0"/>
+          <xs:element ref="pc:TermId" minOccurs="0"/>
+        </xs:sequence>
+      </xs:complexType>
+    </xs:element>
+    <xs:element name="TermName" type="xs:string"/>
+    <xs:element name="TermId" type="xs:string"/>
+  </xs:schema>
+</ct:contentTypeSchema>
+</file>
+
+<file path=customXml/item2.xml><?xml version="1.0" encoding="utf-8"?>
+<?mso-contentType ?>
+<FormTemplates xmlns="http://schemas.microsoft.com/sharepoint/v3/contenttype/forms">
+  <Display>DocumentLibraryForm</Display>
+  <Edit>DocumentLibraryForm</Edit>
+  <New>DocumentLibraryForm</New>
+</FormTemplates>
+</file>
+
+<file path=customXml/item3.xml><?xml version="1.0" encoding="utf-8"?>
+<p:properties xmlns:p="http://schemas.microsoft.com/office/2006/metadata/properties" xmlns:xsi="http://www.w3.org/2001/XMLSchema-instance" xmlns:pc="http://schemas.microsoft.com/office/infopath/2007/PartnerControls">
+  <documentManagement>
+    <TaxCatchAll xmlns="c6312344-3cb8-4415-bce2-2d9d86e42411" xsi:nil="true"/>
+    <lcf76f155ced4ddcb4097134ff3c332f xmlns="e2dd518d-5897-4c14-a15f-1f5972e2b268">
+      <Terms xmlns="http://schemas.microsoft.com/office/infopath/2007/PartnerControls"/>
+    </lcf76f155ced4ddcb4097134ff3c332f>
+  </documentManagement>
+</p:properties>
+</file>
+
+<file path=customXml/itemProps1.xml><?xml version="1.0" encoding="utf-8"?>
+<ds:datastoreItem xmlns:ds="http://schemas.openxmlformats.org/officeDocument/2006/customXml" ds:itemID="{E7FFC71A-CF10-4CE5-84D7-9EA3EF4E144E}"/>
+</file>
+
+<file path=customXml/itemProps2.xml><?xml version="1.0" encoding="utf-8"?>
+<ds:datastoreItem xmlns:ds="http://schemas.openxmlformats.org/officeDocument/2006/customXml" ds:itemID="{F533A9C5-748F-4B99-B5FD-2315A7ADF007}"/>
+</file>
+
+<file path=customXml/itemProps3.xml><?xml version="1.0" encoding="utf-8"?>
+<ds:datastoreItem xmlns:ds="http://schemas.openxmlformats.org/officeDocument/2006/customXml" ds:itemID="{BD8BAD70-244A-4A5E-9530-A1A83B0F3AE1}"/>
 </file>
--- a/assets/logos/visual_elements.pptx
+++ b/assets/logos/visual_elements.pptx
@@ -2,14 +2,15 @@
 <file path=ppt/presentation.xml><?xml version="1.0" encoding="utf-8"?>
 <p:presentation xmlns:a="http://schemas.openxmlformats.org/drawingml/2006/main" xmlns:r="http://schemas.openxmlformats.org/officeDocument/2006/relationships" xmlns:p="http://schemas.openxmlformats.org/presentationml/2006/main" saveSubsetFonts="1" bookmarkIdSeed="2">
   <p:sldMasterIdLst>
-    <p:sldMasterId id="2147483648" r:id="rId1"/>
+    <p:sldMasterId id="2147483648" r:id="rId4"/>
   </p:sldMasterIdLst>
   <p:sldIdLst>
-    <p:sldId id="256" r:id="rId2"/>
-    <p:sldId id="257" r:id="rId3"/>
-    <p:sldId id="260" r:id="rId4"/>
-    <p:sldId id="261" r:id="rId5"/>
-    <p:sldId id="262" r:id="rId6"/>
+    <p:sldId id="256" r:id="rId5"/>
+    <p:sldId id="257" r:id="rId6"/>
+    <p:sldId id="260" r:id="rId7"/>
+    <p:sldId id="261" r:id="rId8"/>
+    <p:sldId id="262" r:id="rId9"/>
+    <p:sldId id="263" r:id="rId10"/>
   </p:sldIdLst>
   <p:sldSz cx="12192000" cy="6858000"/>
   <p:notesSz cx="6858000" cy="9144000"/>
@@ -1316,7 +1317,7 @@
           <a:p>
             <a:fld id="{31B638F6-9E2C-4E9D-9E14-B73210A544E1}" type="datetimeFigureOut">
               <a:rPr lang="en-CA" smtClean="0"/>
-              <a:t>2022-12-08</a:t>
+              <a:t>2023-03-17</a:t>
             </a:fld>
             <a:endParaRPr lang="en-CA"/>
           </a:p>
@@ -1516,7 +1517,7 @@
           <a:p>
             <a:fld id="{31B638F6-9E2C-4E9D-9E14-B73210A544E1}" type="datetimeFigureOut">
               <a:rPr lang="en-CA" smtClean="0"/>
-              <a:t>2022-12-08</a:t>
+              <a:t>2023-03-17</a:t>
             </a:fld>
             <a:endParaRPr lang="en-CA"/>
           </a:p>
@@ -1726,7 +1727,7 @@
           <a:p>
             <a:fld id="{31B638F6-9E2C-4E9D-9E14-B73210A544E1}" type="datetimeFigureOut">
               <a:rPr lang="en-CA" smtClean="0"/>
-              <a:t>2022-12-08</a:t>
+              <a:t>2023-03-17</a:t>
             </a:fld>
             <a:endParaRPr lang="en-CA"/>
           </a:p>
@@ -1926,7 +1927,7 @@
           <a:p>
             <a:fld id="{31B638F6-9E2C-4E9D-9E14-B73210A544E1}" type="datetimeFigureOut">
               <a:rPr lang="en-CA" smtClean="0"/>
-              <a:t>2022-12-08</a:t>
+              <a:t>2023-03-17</a:t>
             </a:fld>
             <a:endParaRPr lang="en-CA"/>
           </a:p>
@@ -2202,7 +2203,7 @@
           <a:p>
             <a:fld id="{31B638F6-9E2C-4E9D-9E14-B73210A544E1}" type="datetimeFigureOut">
               <a:rPr lang="en-CA" smtClean="0"/>
-              <a:t>2022-12-08</a:t>
+              <a:t>2023-03-17</a:t>
             </a:fld>
             <a:endParaRPr lang="en-CA"/>
           </a:p>
@@ -2470,7 +2471,7 @@
           <a:p>
             <a:fld id="{31B638F6-9E2C-4E9D-9E14-B73210A544E1}" type="datetimeFigureOut">
               <a:rPr lang="en-CA" smtClean="0"/>
-              <a:t>2022-12-08</a:t>
+              <a:t>2023-03-17</a:t>
             </a:fld>
             <a:endParaRPr lang="en-CA"/>
           </a:p>
@@ -2885,7 +2886,7 @@
           <a:p>
             <a:fld id="{31B638F6-9E2C-4E9D-9E14-B73210A544E1}" type="datetimeFigureOut">
               <a:rPr lang="en-CA" smtClean="0"/>
-              <a:t>2022-12-08</a:t>
+              <a:t>2023-03-17</a:t>
             </a:fld>
             <a:endParaRPr lang="en-CA"/>
           </a:p>
@@ -3027,7 +3028,7 @@
           <a:p>
             <a:fld id="{31B638F6-9E2C-4E9D-9E14-B73210A544E1}" type="datetimeFigureOut">
               <a:rPr lang="en-CA" smtClean="0"/>
-              <a:t>2022-12-08</a:t>
+              <a:t>2023-03-17</a:t>
             </a:fld>
             <a:endParaRPr lang="en-CA"/>
           </a:p>
@@ -3140,7 +3141,7 @@
           <a:p>
             <a:fld id="{31B638F6-9E2C-4E9D-9E14-B73210A544E1}" type="datetimeFigureOut">
               <a:rPr lang="en-CA" smtClean="0"/>
-              <a:t>2022-12-08</a:t>
+              <a:t>2023-03-17</a:t>
             </a:fld>
             <a:endParaRPr lang="en-CA"/>
           </a:p>
@@ -3453,7 +3454,7 @@
           <a:p>
             <a:fld id="{31B638F6-9E2C-4E9D-9E14-B73210A544E1}" type="datetimeFigureOut">
               <a:rPr lang="en-CA" smtClean="0"/>
-              <a:t>2022-12-08</a:t>
+              <a:t>2023-03-17</a:t>
             </a:fld>
             <a:endParaRPr lang="en-CA"/>
           </a:p>
@@ -3742,7 +3743,7 @@
           <a:p>
             <a:fld id="{31B638F6-9E2C-4E9D-9E14-B73210A544E1}" type="datetimeFigureOut">
               <a:rPr lang="en-CA" smtClean="0"/>
-              <a:t>2022-12-08</a:t>
+              <a:t>2023-03-17</a:t>
             </a:fld>
             <a:endParaRPr lang="en-CA"/>
           </a:p>
@@ -3985,7 +3986,7 @@
           <a:p>
             <a:fld id="{31B638F6-9E2C-4E9D-9E14-B73210A544E1}" type="datetimeFigureOut">
               <a:rPr lang="en-CA" smtClean="0"/>
-              <a:t>2022-12-08</a:t>
+              <a:t>2023-03-17</a:t>
             </a:fld>
             <a:endParaRPr lang="en-CA"/>
           </a:p>
@@ -4511,13 +4512,13 @@
           <a:noFill/>
         </p:spPr>
         <p:txBody>
-          <a:bodyPr wrap="none" rtlCol="0">
+          <a:bodyPr wrap="square" rtlCol="0">
             <a:spAutoFit/>
           </a:bodyPr>
           <a:lstStyle/>
           <a:p>
             <a:r>
-              <a:rPr lang="en-US" sz="4800">
+              <a:rPr lang="en-US" sz="4800" dirty="0">
                 <a:solidFill>
                   <a:srgbClr val="1E3765"/>
                 </a:solidFill>
@@ -4558,7 +4559,7 @@
           <a:lstStyle/>
           <a:p>
             <a:r>
-              <a:rPr lang="en-US" sz="2800" i="1">
+              <a:rPr lang="en-US" sz="2800" i="1" dirty="0">
                 <a:solidFill>
                   <a:srgbClr val="1E3765"/>
                 </a:solidFill>
@@ -4570,7 +4571,7 @@
           </a:p>
           <a:p>
             <a:r>
-              <a:rPr lang="en-CA" sz="2000">
+              <a:rPr lang="en-CA" sz="2000" dirty="0">
                 <a:solidFill>
                   <a:srgbClr val="1E3765"/>
                 </a:solidFill>
@@ -4580,7 +4581,7 @@
               <a:t>Hybrid Conference                          11-13 July 2023, Toronto, Canada</a:t>
             </a:r>
             <a:r>
-              <a:rPr lang="en-CA" sz="2800">
+              <a:rPr lang="en-CA" sz="2800" dirty="0">
                 <a:solidFill>
                   <a:srgbClr val="1E3765"/>
                 </a:solidFill>
@@ -5354,6 +5355,295 @@
     <p:extLst>
       <p:ext uri="{BB962C8B-B14F-4D97-AF65-F5344CB8AC3E}">
         <p14:creationId xmlns:p14="http://schemas.microsoft.com/office/powerpoint/2010/main" val="417199115"/>
+      </p:ext>
+    </p:extLst>
+  </p:cSld>
+  <p:clrMapOvr>
+    <a:masterClrMapping/>
+  </p:clrMapOvr>
+</p:sld>
+</file>
+
+<file path=ppt/slides/slide6.xml><?xml version="1.0" encoding="utf-8"?>
+<p:sld xmlns:a="http://schemas.openxmlformats.org/drawingml/2006/main" xmlns:r="http://schemas.openxmlformats.org/officeDocument/2006/relationships" xmlns:p="http://schemas.openxmlformats.org/presentationml/2006/main">
+  <p:cSld>
+    <p:spTree>
+      <p:nvGrpSpPr>
+        <p:cNvPr id="1" name=""/>
+        <p:cNvGrpSpPr/>
+        <p:nvPr/>
+      </p:nvGrpSpPr>
+      <p:grpSpPr>
+        <a:xfrm>
+          <a:off x="0" y="0"/>
+          <a:ext cx="0" cy="0"/>
+          <a:chOff x="0" y="0"/>
+          <a:chExt cx="0" cy="0"/>
+        </a:xfrm>
+      </p:grpSpPr>
+      <p:pic>
+        <p:nvPicPr>
+          <p:cNvPr id="5" name="Graphic 4">
+            <a:extLst>
+              <a:ext uri="{FF2B5EF4-FFF2-40B4-BE49-F238E27FC236}">
+                <a16:creationId xmlns:a16="http://schemas.microsoft.com/office/drawing/2014/main" id="{A3DF2D35-1B46-994B-552A-5FE274983AD3}"/>
+              </a:ext>
+            </a:extLst>
+          </p:cNvPr>
+          <p:cNvPicPr>
+            <a:picLocks noChangeAspect="1"/>
+          </p:cNvPicPr>
+          <p:nvPr/>
+        </p:nvPicPr>
+        <p:blipFill>
+          <a:blip r:embed="rId2">
+            <a:extLst>
+              <a:ext uri="{28A0092B-C50C-407E-A947-70E740481C1C}">
+                <a14:useLocalDpi xmlns:a14="http://schemas.microsoft.com/office/drawing/2010/main" val="0"/>
+              </a:ext>
+              <a:ext uri="{96DAC541-7B7A-43D3-8B79-37D633B846F1}">
+                <asvg:svgBlip xmlns:asvg="http://schemas.microsoft.com/office/drawing/2016/SVG/main" r:embed="rId3"/>
+              </a:ext>
+            </a:extLst>
+          </a:blip>
+          <a:stretch>
+            <a:fillRect/>
+          </a:stretch>
+        </p:blipFill>
+        <p:spPr>
+          <a:xfrm>
+            <a:off x="2408790" y="1449654"/>
+            <a:ext cx="7155171" cy="1449127"/>
+          </a:xfrm>
+          <a:prstGeom prst="rect">
+            <a:avLst/>
+          </a:prstGeom>
+        </p:spPr>
+      </p:pic>
+      <p:pic>
+        <p:nvPicPr>
+          <p:cNvPr id="1026" name="Picture 2" descr="Image result for iase logo">
+            <a:extLst>
+              <a:ext uri="{FF2B5EF4-FFF2-40B4-BE49-F238E27FC236}">
+                <a16:creationId xmlns:a16="http://schemas.microsoft.com/office/drawing/2014/main" id="{AE3E041D-0457-8F13-548A-D35A8EF9B4EF}"/>
+              </a:ext>
+            </a:extLst>
+          </p:cNvPr>
+          <p:cNvPicPr>
+            <a:picLocks noChangeAspect="1" noChangeArrowheads="1"/>
+          </p:cNvPicPr>
+          <p:nvPr/>
+        </p:nvPicPr>
+        <p:blipFill>
+          <a:blip r:embed="rId4">
+            <a:extLst>
+              <a:ext uri="{28A0092B-C50C-407E-A947-70E740481C1C}">
+                <a14:useLocalDpi xmlns:a14="http://schemas.microsoft.com/office/drawing/2010/main" val="0"/>
+              </a:ext>
+            </a:extLst>
+          </a:blip>
+          <a:srcRect/>
+          <a:stretch>
+            <a:fillRect/>
+          </a:stretch>
+        </p:blipFill>
+        <p:spPr bwMode="auto">
+          <a:xfrm>
+            <a:off x="9851945" y="945552"/>
+            <a:ext cx="1370293" cy="850284"/>
+          </a:xfrm>
+          <a:prstGeom prst="rect">
+            <a:avLst/>
+          </a:prstGeom>
+          <a:noFill/>
+          <a:extLst>
+            <a:ext uri="{909E8E84-426E-40DD-AFC4-6F175D3DCCD1}">
+              <a14:hiddenFill xmlns:a14="http://schemas.microsoft.com/office/drawing/2010/main">
+                <a:solidFill>
+                  <a:srgbClr val="FFFFFF"/>
+                </a:solidFill>
+              </a14:hiddenFill>
+            </a:ext>
+          </a:extLst>
+        </p:spPr>
+      </p:pic>
+      <p:sp>
+        <p:nvSpPr>
+          <p:cNvPr id="11" name="TextBox 10">
+            <a:extLst>
+              <a:ext uri="{FF2B5EF4-FFF2-40B4-BE49-F238E27FC236}">
+                <a16:creationId xmlns:a16="http://schemas.microsoft.com/office/drawing/2014/main" id="{6D0D5F23-DD92-2CFE-004F-DD05622AD2FE}"/>
+              </a:ext>
+            </a:extLst>
+          </p:cNvPr>
+          <p:cNvSpPr txBox="1"/>
+          <p:nvPr/>
+        </p:nvSpPr>
+        <p:spPr>
+          <a:xfrm>
+            <a:off x="2408790" y="560832"/>
+            <a:ext cx="8098692" cy="769441"/>
+          </a:xfrm>
+          <a:prstGeom prst="rect">
+            <a:avLst/>
+          </a:prstGeom>
+          <a:noFill/>
+        </p:spPr>
+        <p:txBody>
+          <a:bodyPr wrap="square" rtlCol="0">
+            <a:spAutoFit/>
+          </a:bodyPr>
+          <a:lstStyle/>
+          <a:p>
+            <a:r>
+              <a:rPr lang="en-US" sz="4400" dirty="0">
+                <a:solidFill>
+                  <a:srgbClr val="1E3765"/>
+                </a:solidFill>
+                <a:latin typeface="Times New Roman" panose="02020603050405020304" pitchFamily="18" charset="0"/>
+                <a:cs typeface="Times New Roman" panose="02020603050405020304" pitchFamily="18" charset="0"/>
+              </a:rPr>
+              <a:t>IASE 2023 Satellite Conference</a:t>
+            </a:r>
+          </a:p>
+        </p:txBody>
+      </p:sp>
+      <p:sp>
+        <p:nvSpPr>
+          <p:cNvPr id="12" name="TextBox 11">
+            <a:extLst>
+              <a:ext uri="{FF2B5EF4-FFF2-40B4-BE49-F238E27FC236}">
+                <a16:creationId xmlns:a16="http://schemas.microsoft.com/office/drawing/2014/main" id="{80609BB9-8439-436C-4DE8-7CEDE2836F7C}"/>
+              </a:ext>
+            </a:extLst>
+          </p:cNvPr>
+          <p:cNvSpPr txBox="1"/>
+          <p:nvPr/>
+        </p:nvSpPr>
+        <p:spPr>
+          <a:xfrm>
+            <a:off x="2438400" y="1229654"/>
+            <a:ext cx="7344810" cy="830997"/>
+          </a:xfrm>
+          <a:prstGeom prst="rect">
+            <a:avLst/>
+          </a:prstGeom>
+          <a:noFill/>
+        </p:spPr>
+        <p:txBody>
+          <a:bodyPr wrap="square" rtlCol="0">
+            <a:spAutoFit/>
+          </a:bodyPr>
+          <a:lstStyle/>
+          <a:p>
+            <a:r>
+              <a:rPr lang="en-US" sz="2400" i="1" dirty="0">
+                <a:solidFill>
+                  <a:srgbClr val="1E3765"/>
+                </a:solidFill>
+                <a:latin typeface="Times New Roman" panose="02020603050405020304" pitchFamily="18" charset="0"/>
+                <a:cs typeface="Times New Roman" panose="02020603050405020304" pitchFamily="18" charset="0"/>
+              </a:rPr>
+              <a:t>Fostering Learning      of Statistics and Data Science</a:t>
+            </a:r>
+          </a:p>
+          <a:p>
+            <a:r>
+              <a:rPr lang="en-CA" dirty="0">
+                <a:solidFill>
+                  <a:srgbClr val="1E3765"/>
+                </a:solidFill>
+                <a:latin typeface="Times New Roman" panose="02020603050405020304" pitchFamily="18" charset="0"/>
+                <a:cs typeface="Times New Roman" panose="02020603050405020304" pitchFamily="18" charset="0"/>
+              </a:rPr>
+              <a:t>Hybrid Conference                          11-13 July 2023, Toronto, Canada</a:t>
+            </a:r>
+            <a:r>
+              <a:rPr lang="en-CA" sz="2400" dirty="0">
+                <a:solidFill>
+                  <a:srgbClr val="1E3765"/>
+                </a:solidFill>
+                <a:latin typeface="Times New Roman" panose="02020603050405020304" pitchFamily="18" charset="0"/>
+                <a:cs typeface="Times New Roman" panose="02020603050405020304" pitchFamily="18" charset="0"/>
+              </a:rPr>
+              <a:t> </a:t>
+            </a:r>
+          </a:p>
+        </p:txBody>
+      </p:sp>
+      <p:pic>
+        <p:nvPicPr>
+          <p:cNvPr id="14" name="Picture 13">
+            <a:extLst>
+              <a:ext uri="{FF2B5EF4-FFF2-40B4-BE49-F238E27FC236}">
+                <a16:creationId xmlns:a16="http://schemas.microsoft.com/office/drawing/2014/main" id="{D1041CED-0E62-E04E-B617-D0999BDAD449}"/>
+              </a:ext>
+            </a:extLst>
+          </p:cNvPr>
+          <p:cNvPicPr>
+            <a:picLocks noChangeAspect="1"/>
+          </p:cNvPicPr>
+          <p:nvPr/>
+        </p:nvPicPr>
+        <p:blipFill>
+          <a:blip r:embed="rId5"/>
+          <a:stretch>
+            <a:fillRect/>
+          </a:stretch>
+        </p:blipFill>
+        <p:spPr>
+          <a:xfrm>
+            <a:off x="9851945" y="1951650"/>
+            <a:ext cx="1370293" cy="746502"/>
+          </a:xfrm>
+          <a:prstGeom prst="rect">
+            <a:avLst/>
+          </a:prstGeom>
+        </p:spPr>
+      </p:pic>
+      <p:pic>
+        <p:nvPicPr>
+          <p:cNvPr id="2" name="Graphic 1">
+            <a:extLst>
+              <a:ext uri="{FF2B5EF4-FFF2-40B4-BE49-F238E27FC236}">
+                <a16:creationId xmlns:a16="http://schemas.microsoft.com/office/drawing/2014/main" id="{DD544EB7-86C6-2BA6-681B-F6BED6149E8C}"/>
+              </a:ext>
+            </a:extLst>
+          </p:cNvPr>
+          <p:cNvPicPr>
+            <a:picLocks noChangeAspect="1"/>
+          </p:cNvPicPr>
+          <p:nvPr/>
+        </p:nvPicPr>
+        <p:blipFill>
+          <a:blip r:embed="rId6">
+            <a:extLst>
+              <a:ext uri="{28A0092B-C50C-407E-A947-70E740481C1C}">
+                <a14:useLocalDpi xmlns:a14="http://schemas.microsoft.com/office/drawing/2010/main" val="0"/>
+              </a:ext>
+              <a:ext uri="{96DAC541-7B7A-43D3-8B79-37D633B846F1}">
+                <asvg:svgBlip xmlns:asvg="http://schemas.microsoft.com/office/drawing/2016/SVG/main" r:embed="rId7"/>
+              </a:ext>
+            </a:extLst>
+          </a:blip>
+          <a:stretch>
+            <a:fillRect/>
+          </a:stretch>
+        </p:blipFill>
+        <p:spPr>
+          <a:xfrm>
+            <a:off x="1126387" y="654060"/>
+            <a:ext cx="1116261" cy="2244721"/>
+          </a:xfrm>
+          <a:prstGeom prst="rect">
+            <a:avLst/>
+          </a:prstGeom>
+        </p:spPr>
+      </p:pic>
+    </p:spTree>
+    <p:extLst>
+      <p:ext uri="{BB962C8B-B14F-4D97-AF65-F5344CB8AC3E}">
+        <p14:creationId xmlns:p14="http://schemas.microsoft.com/office/powerpoint/2010/main" val="2653464682"/>
       </p:ext>
     </p:extLst>
   </p:cSld>
@@ -5659,6 +5949,26 @@
 </file>
 
 <file path=customXml/item1.xml><?xml version="1.0" encoding="utf-8"?>
+<p:properties xmlns:p="http://schemas.microsoft.com/office/2006/metadata/properties" xmlns:xsi="http://www.w3.org/2001/XMLSchema-instance" xmlns:pc="http://schemas.microsoft.com/office/infopath/2007/PartnerControls">
+  <documentManagement>
+    <TaxCatchAll xmlns="c6312344-3cb8-4415-bce2-2d9d86e42411" xsi:nil="true"/>
+    <lcf76f155ced4ddcb4097134ff3c332f xmlns="e2dd518d-5897-4c14-a15f-1f5972e2b268">
+      <Terms xmlns="http://schemas.microsoft.com/office/infopath/2007/PartnerControls"/>
+    </lcf76f155ced4ddcb4097134ff3c332f>
+  </documentManagement>
+</p:properties>
+</file>
+
+<file path=customXml/item2.xml><?xml version="1.0" encoding="utf-8"?>
+<?mso-contentType ?>
+<FormTemplates xmlns="http://schemas.microsoft.com/sharepoint/v3/contenttype/forms">
+  <Display>DocumentLibraryForm</Display>
+  <Edit>DocumentLibraryForm</Edit>
+  <New>DocumentLibraryForm</New>
+</FormTemplates>
+</file>
+
+<file path=customXml/item3.xml><?xml version="1.0" encoding="utf-8"?>
 <ct:contentTypeSchema xmlns:ct="http://schemas.microsoft.com/office/2006/metadata/contentType" xmlns:ma="http://schemas.microsoft.com/office/2006/metadata/properties/metaAttributes" ct:_="" ma:_="" ma:contentTypeName="Document" ma:contentTypeID="0x010100A2AE58AD19F24F48B27DF77C2D055349" ma:contentTypeVersion="11" ma:contentTypeDescription="Create a new document." ma:contentTypeScope="" ma:versionID="977e6bace7cda261a01b0afd7551a3e3">
   <xsd:schema xmlns:xsd="http://www.w3.org/2001/XMLSchema" xmlns:xs="http://www.w3.org/2001/XMLSchema" xmlns:p="http://schemas.microsoft.com/office/2006/metadata/properties" xmlns:ns2="e2dd518d-5897-4c14-a15f-1f5972e2b268" xmlns:ns3="c6312344-3cb8-4415-bce2-2d9d86e42411" targetNamespace="http://schemas.microsoft.com/office/2006/metadata/properties" ma:root="true" ma:fieldsID="18e6240664e6d84e8eb6d4dbb5c82448" ns2:_="" ns3:_="">
     <xsd:import namespace="e2dd518d-5897-4c14-a15f-1f5972e2b268"/>
@@ -5869,34 +6179,40 @@
 </ct:contentTypeSchema>
 </file>
 
-<file path=customXml/item2.xml><?xml version="1.0" encoding="utf-8"?>
-<?mso-contentType ?>
-<FormTemplates xmlns="http://schemas.microsoft.com/sharepoint/v3/contenttype/forms">
-  <Display>DocumentLibraryForm</Display>
-  <Edit>DocumentLibraryForm</Edit>
-  <New>DocumentLibraryForm</New>
-</FormTemplates>
-</file>
-
-<file path=customXml/item3.xml><?xml version="1.0" encoding="utf-8"?>
-<p:properties xmlns:p="http://schemas.microsoft.com/office/2006/metadata/properties" xmlns:xsi="http://www.w3.org/2001/XMLSchema-instance" xmlns:pc="http://schemas.microsoft.com/office/infopath/2007/PartnerControls">
-  <documentManagement>
-    <TaxCatchAll xmlns="c6312344-3cb8-4415-bce2-2d9d86e42411" xsi:nil="true"/>
-    <lcf76f155ced4ddcb4097134ff3c332f xmlns="e2dd518d-5897-4c14-a15f-1f5972e2b268">
-      <Terms xmlns="http://schemas.microsoft.com/office/infopath/2007/PartnerControls"/>
-    </lcf76f155ced4ddcb4097134ff3c332f>
-  </documentManagement>
-</p:properties>
-</file>
-
 <file path=customXml/itemProps1.xml><?xml version="1.0" encoding="utf-8"?>
-<ds:datastoreItem xmlns:ds="http://schemas.openxmlformats.org/officeDocument/2006/customXml" ds:itemID="{E7FFC71A-CF10-4CE5-84D7-9EA3EF4E144E}"/>
+<ds:datastoreItem xmlns:ds="http://schemas.openxmlformats.org/officeDocument/2006/customXml" ds:itemID="{BD8BAD70-244A-4A5E-9530-A1A83B0F3AE1}">
+  <ds:schemaRefs>
+    <ds:schemaRef ds:uri="http://schemas.microsoft.com/office/2006/metadata/properties"/>
+    <ds:schemaRef ds:uri="http://schemas.microsoft.com/office/infopath/2007/PartnerControls"/>
+    <ds:schemaRef ds:uri="c6312344-3cb8-4415-bce2-2d9d86e42411"/>
+    <ds:schemaRef ds:uri="e2dd518d-5897-4c14-a15f-1f5972e2b268"/>
+  </ds:schemaRefs>
+</ds:datastoreItem>
 </file>
 
 <file path=customXml/itemProps2.xml><?xml version="1.0" encoding="utf-8"?>
-<ds:datastoreItem xmlns:ds="http://schemas.openxmlformats.org/officeDocument/2006/customXml" ds:itemID="{F533A9C5-748F-4B99-B5FD-2315A7ADF007}"/>
+<ds:datastoreItem xmlns:ds="http://schemas.openxmlformats.org/officeDocument/2006/customXml" ds:itemID="{F533A9C5-748F-4B99-B5FD-2315A7ADF007}">
+  <ds:schemaRefs>
+    <ds:schemaRef ds:uri="http://schemas.microsoft.com/sharepoint/v3/contenttype/forms"/>
+  </ds:schemaRefs>
+</ds:datastoreItem>
 </file>
 
 <file path=customXml/itemProps3.xml><?xml version="1.0" encoding="utf-8"?>
-<ds:datastoreItem xmlns:ds="http://schemas.openxmlformats.org/officeDocument/2006/customXml" ds:itemID="{BD8BAD70-244A-4A5E-9530-A1A83B0F3AE1}"/>
+<ds:datastoreItem xmlns:ds="http://schemas.openxmlformats.org/officeDocument/2006/customXml" ds:itemID="{E7FFC71A-CF10-4CE5-84D7-9EA3EF4E144E}">
+  <ds:schemaRefs>
+    <ds:schemaRef ds:uri="http://schemas.microsoft.com/office/2006/metadata/contentType"/>
+    <ds:schemaRef ds:uri="http://schemas.microsoft.com/office/2006/metadata/properties/metaAttributes"/>
+    <ds:schemaRef ds:uri="http://www.w3.org/2001/XMLSchema"/>
+    <ds:schemaRef ds:uri="http://schemas.microsoft.com/office/2006/metadata/properties"/>
+    <ds:schemaRef ds:uri="e2dd518d-5897-4c14-a15f-1f5972e2b268"/>
+    <ds:schemaRef ds:uri="c6312344-3cb8-4415-bce2-2d9d86e42411"/>
+    <ds:schemaRef ds:uri="http://schemas.microsoft.com/office/2006/documentManagement/types"/>
+    <ds:schemaRef ds:uri="http://schemas.microsoft.com/office/infopath/2007/PartnerControls"/>
+    <ds:schemaRef ds:uri="http://schemas.openxmlformats.org/package/2006/metadata/core-properties"/>
+    <ds:schemaRef ds:uri="http://purl.org/dc/elements/1.1/"/>
+    <ds:schemaRef ds:uri="http://purl.org/dc/terms/"/>
+    <ds:schemaRef ds:uri="http://schemas.microsoft.com/internal/obd"/>
+  </ds:schemaRefs>
+</ds:datastoreItem>
 </file>
--- a/assets/logos/visual_elements.pptx
+++ b/assets/logos/visual_elements.pptx
@@ -11,6 +11,7 @@
     <p:sldId id="261" r:id="rId8"/>
     <p:sldId id="262" r:id="rId9"/>
     <p:sldId id="263" r:id="rId10"/>
+    <p:sldId id="264" r:id="rId11"/>
   </p:sldIdLst>
   <p:sldSz cx="12192000" cy="6858000"/>
   <p:notesSz cx="6858000" cy="9144000"/>
@@ -110,6 +111,25 @@
     </a:lvl9pPr>
   </p:defaultTextStyle>
   <p:extLst>
+    <p:ext uri="{521415D9-36F7-43E2-AB2F-B90AF26B5E84}">
+      <p14:sectionLst xmlns:p14="http://schemas.microsoft.com/office/powerpoint/2010/main">
+        <p14:section name="Default Section" id="{977AC618-55CE-452D-974E-818BE66686B0}">
+          <p14:sldIdLst>
+            <p14:sldId id="256"/>
+            <p14:sldId id="257"/>
+            <p14:sldId id="260"/>
+            <p14:sldId id="261"/>
+            <p14:sldId id="262"/>
+            <p14:sldId id="263"/>
+          </p14:sldIdLst>
+        </p14:section>
+        <p14:section name="Untitled Section" id="{D16C8ACA-4F37-4FA6-A6BB-F8165C445055}">
+          <p14:sldIdLst>
+            <p14:sldId id="264"/>
+          </p14:sldIdLst>
+        </p14:section>
+      </p14:sectionLst>
+    </p:ext>
     <p:ext uri="{EFAFB233-063F-42B5-8137-9DF3F51BA10A}">
       <p15:sldGuideLst xmlns:p15="http://schemas.microsoft.com/office/powerpoint/2012/main"/>
     </p:ext>
@@ -1317,7 +1337,7 @@
           <a:p>
             <a:fld id="{31B638F6-9E2C-4E9D-9E14-B73210A544E1}" type="datetimeFigureOut">
               <a:rPr lang="en-CA" smtClean="0"/>
-              <a:t>2023-03-17</a:t>
+              <a:t>2023-07-07</a:t>
             </a:fld>
             <a:endParaRPr lang="en-CA"/>
           </a:p>
@@ -1517,7 +1537,7 @@
           <a:p>
             <a:fld id="{31B638F6-9E2C-4E9D-9E14-B73210A544E1}" type="datetimeFigureOut">
               <a:rPr lang="en-CA" smtClean="0"/>
-              <a:t>2023-03-17</a:t>
+              <a:t>2023-07-07</a:t>
             </a:fld>
             <a:endParaRPr lang="en-CA"/>
           </a:p>
@@ -1727,7 +1747,7 @@
           <a:p>
             <a:fld id="{31B638F6-9E2C-4E9D-9E14-B73210A544E1}" type="datetimeFigureOut">
               <a:rPr lang="en-CA" smtClean="0"/>
-              <a:t>2023-03-17</a:t>
+              <a:t>2023-07-07</a:t>
             </a:fld>
             <a:endParaRPr lang="en-CA"/>
           </a:p>
@@ -1927,7 +1947,7 @@
           <a:p>
             <a:fld id="{31B638F6-9E2C-4E9D-9E14-B73210A544E1}" type="datetimeFigureOut">
               <a:rPr lang="en-CA" smtClean="0"/>
-              <a:t>2023-03-17</a:t>
+              <a:t>2023-07-07</a:t>
             </a:fld>
             <a:endParaRPr lang="en-CA"/>
           </a:p>
@@ -2203,7 +2223,7 @@
           <a:p>
             <a:fld id="{31B638F6-9E2C-4E9D-9E14-B73210A544E1}" type="datetimeFigureOut">
               <a:rPr lang="en-CA" smtClean="0"/>
-              <a:t>2023-03-17</a:t>
+              <a:t>2023-07-07</a:t>
             </a:fld>
             <a:endParaRPr lang="en-CA"/>
           </a:p>
@@ -2471,7 +2491,7 @@
           <a:p>
             <a:fld id="{31B638F6-9E2C-4E9D-9E14-B73210A544E1}" type="datetimeFigureOut">
               <a:rPr lang="en-CA" smtClean="0"/>
-              <a:t>2023-03-17</a:t>
+              <a:t>2023-07-07</a:t>
             </a:fld>
             <a:endParaRPr lang="en-CA"/>
           </a:p>
@@ -2886,7 +2906,7 @@
           <a:p>
             <a:fld id="{31B638F6-9E2C-4E9D-9E14-B73210A544E1}" type="datetimeFigureOut">
               <a:rPr lang="en-CA" smtClean="0"/>
-              <a:t>2023-03-17</a:t>
+              <a:t>2023-07-07</a:t>
             </a:fld>
             <a:endParaRPr lang="en-CA"/>
           </a:p>
@@ -3028,7 +3048,7 @@
           <a:p>
             <a:fld id="{31B638F6-9E2C-4E9D-9E14-B73210A544E1}" type="datetimeFigureOut">
               <a:rPr lang="en-CA" smtClean="0"/>
-              <a:t>2023-03-17</a:t>
+              <a:t>2023-07-07</a:t>
             </a:fld>
             <a:endParaRPr lang="en-CA"/>
           </a:p>
@@ -3141,7 +3161,7 @@
           <a:p>
             <a:fld id="{31B638F6-9E2C-4E9D-9E14-B73210A544E1}" type="datetimeFigureOut">
               <a:rPr lang="en-CA" smtClean="0"/>
-              <a:t>2023-03-17</a:t>
+              <a:t>2023-07-07</a:t>
             </a:fld>
             <a:endParaRPr lang="en-CA"/>
           </a:p>
@@ -3454,7 +3474,7 @@
           <a:p>
             <a:fld id="{31B638F6-9E2C-4E9D-9E14-B73210A544E1}" type="datetimeFigureOut">
               <a:rPr lang="en-CA" smtClean="0"/>
-              <a:t>2023-03-17</a:t>
+              <a:t>2023-07-07</a:t>
             </a:fld>
             <a:endParaRPr lang="en-CA"/>
           </a:p>
@@ -3743,7 +3763,7 @@
           <a:p>
             <a:fld id="{31B638F6-9E2C-4E9D-9E14-B73210A544E1}" type="datetimeFigureOut">
               <a:rPr lang="en-CA" smtClean="0"/>
-              <a:t>2023-03-17</a:t>
+              <a:t>2023-07-07</a:t>
             </a:fld>
             <a:endParaRPr lang="en-CA"/>
           </a:p>
@@ -3986,7 +4006,7 @@
           <a:p>
             <a:fld id="{31B638F6-9E2C-4E9D-9E14-B73210A544E1}" type="datetimeFigureOut">
               <a:rPr lang="en-CA" smtClean="0"/>
-              <a:t>2023-03-17</a:t>
+              <a:t>2023-07-07</a:t>
             </a:fld>
             <a:endParaRPr lang="en-CA"/>
           </a:p>
@@ -5653,6 +5673,36 @@
 </p:sld>
 </file>
 
+<file path=ppt/slides/slide7.xml><?xml version="1.0" encoding="utf-8"?>
+<p:sld xmlns:a="http://schemas.openxmlformats.org/drawingml/2006/main" xmlns:r="http://schemas.openxmlformats.org/officeDocument/2006/relationships" xmlns:p="http://schemas.openxmlformats.org/presentationml/2006/main">
+  <p:cSld>
+    <p:spTree>
+      <p:nvGrpSpPr>
+        <p:cNvPr id="1" name=""/>
+        <p:cNvGrpSpPr/>
+        <p:nvPr/>
+      </p:nvGrpSpPr>
+      <p:grpSpPr>
+        <a:xfrm>
+          <a:off x="0" y="0"/>
+          <a:ext cx="0" cy="0"/>
+          <a:chOff x="0" y="0"/>
+          <a:chExt cx="0" cy="0"/>
+        </a:xfrm>
+      </p:grpSpPr>
+    </p:spTree>
+    <p:extLst>
+      <p:ext uri="{BB962C8B-B14F-4D97-AF65-F5344CB8AC3E}">
+        <p14:creationId xmlns:p14="http://schemas.microsoft.com/office/powerpoint/2010/main" val="3096442285"/>
+      </p:ext>
+    </p:extLst>
+  </p:cSld>
+  <p:clrMapOvr>
+    <a:masterClrMapping/>
+  </p:clrMapOvr>
+</p:sld>
+</file>
+
 <file path=ppt/theme/theme1.xml><?xml version="1.0" encoding="utf-8"?>
 <a:theme xmlns:a="http://schemas.openxmlformats.org/drawingml/2006/main" name="Office Theme">
   <a:themeElements>
@@ -5949,26 +5999,6 @@
 </file>
 
 <file path=customXml/item1.xml><?xml version="1.0" encoding="utf-8"?>
-<p:properties xmlns:p="http://schemas.microsoft.com/office/2006/metadata/properties" xmlns:xsi="http://www.w3.org/2001/XMLSchema-instance" xmlns:pc="http://schemas.microsoft.com/office/infopath/2007/PartnerControls">
-  <documentManagement>
-    <TaxCatchAll xmlns="c6312344-3cb8-4415-bce2-2d9d86e42411" xsi:nil="true"/>
-    <lcf76f155ced4ddcb4097134ff3c332f xmlns="e2dd518d-5897-4c14-a15f-1f5972e2b268">
-      <Terms xmlns="http://schemas.microsoft.com/office/infopath/2007/PartnerControls"/>
-    </lcf76f155ced4ddcb4097134ff3c332f>
-  </documentManagement>
-</p:properties>
-</file>
-
-<file path=customXml/item2.xml><?xml version="1.0" encoding="utf-8"?>
-<?mso-contentType ?>
-<FormTemplates xmlns="http://schemas.microsoft.com/sharepoint/v3/contenttype/forms">
-  <Display>DocumentLibraryForm</Display>
-  <Edit>DocumentLibraryForm</Edit>
-  <New>DocumentLibraryForm</New>
-</FormTemplates>
-</file>
-
-<file path=customXml/item3.xml><?xml version="1.0" encoding="utf-8"?>
 <ct:contentTypeSchema xmlns:ct="http://schemas.microsoft.com/office/2006/metadata/contentType" xmlns:ma="http://schemas.microsoft.com/office/2006/metadata/properties/metaAttributes" ct:_="" ma:_="" ma:contentTypeName="Document" ma:contentTypeID="0x010100A2AE58AD19F24F48B27DF77C2D055349" ma:contentTypeVersion="11" ma:contentTypeDescription="Create a new document." ma:contentTypeScope="" ma:versionID="977e6bace7cda261a01b0afd7551a3e3">
   <xsd:schema xmlns:xsd="http://www.w3.org/2001/XMLSchema" xmlns:xs="http://www.w3.org/2001/XMLSchema" xmlns:p="http://schemas.microsoft.com/office/2006/metadata/properties" xmlns:ns2="e2dd518d-5897-4c14-a15f-1f5972e2b268" xmlns:ns3="c6312344-3cb8-4415-bce2-2d9d86e42411" targetNamespace="http://schemas.microsoft.com/office/2006/metadata/properties" ma:root="true" ma:fieldsID="18e6240664e6d84e8eb6d4dbb5c82448" ns2:_="" ns3:_="">
     <xsd:import namespace="e2dd518d-5897-4c14-a15f-1f5972e2b268"/>
@@ -6179,26 +6209,27 @@
 </ct:contentTypeSchema>
 </file>
 
-<file path=customXml/itemProps1.xml><?xml version="1.0" encoding="utf-8"?>
-<ds:datastoreItem xmlns:ds="http://schemas.openxmlformats.org/officeDocument/2006/customXml" ds:itemID="{BD8BAD70-244A-4A5E-9530-A1A83B0F3AE1}">
-  <ds:schemaRefs>
-    <ds:schemaRef ds:uri="http://schemas.microsoft.com/office/2006/metadata/properties"/>
-    <ds:schemaRef ds:uri="http://schemas.microsoft.com/office/infopath/2007/PartnerControls"/>
-    <ds:schemaRef ds:uri="c6312344-3cb8-4415-bce2-2d9d86e42411"/>
-    <ds:schemaRef ds:uri="e2dd518d-5897-4c14-a15f-1f5972e2b268"/>
-  </ds:schemaRefs>
-</ds:datastoreItem>
+<file path=customXml/item2.xml><?xml version="1.0" encoding="utf-8"?>
+<?mso-contentType ?>
+<FormTemplates xmlns="http://schemas.microsoft.com/sharepoint/v3/contenttype/forms">
+  <Display>DocumentLibraryForm</Display>
+  <Edit>DocumentLibraryForm</Edit>
+  <New>DocumentLibraryForm</New>
+</FormTemplates>
 </file>
 
-<file path=customXml/itemProps2.xml><?xml version="1.0" encoding="utf-8"?>
-<ds:datastoreItem xmlns:ds="http://schemas.openxmlformats.org/officeDocument/2006/customXml" ds:itemID="{F533A9C5-748F-4B99-B5FD-2315A7ADF007}">
-  <ds:schemaRefs>
-    <ds:schemaRef ds:uri="http://schemas.microsoft.com/sharepoint/v3/contenttype/forms"/>
-  </ds:schemaRefs>
-</ds:datastoreItem>
+<file path=customXml/item3.xml><?xml version="1.0" encoding="utf-8"?>
+<p:properties xmlns:p="http://schemas.microsoft.com/office/2006/metadata/properties" xmlns:xsi="http://www.w3.org/2001/XMLSchema-instance" xmlns:pc="http://schemas.microsoft.com/office/infopath/2007/PartnerControls">
+  <documentManagement>
+    <TaxCatchAll xmlns="c6312344-3cb8-4415-bce2-2d9d86e42411" xsi:nil="true"/>
+    <lcf76f155ced4ddcb4097134ff3c332f xmlns="e2dd518d-5897-4c14-a15f-1f5972e2b268">
+      <Terms xmlns="http://schemas.microsoft.com/office/infopath/2007/PartnerControls"/>
+    </lcf76f155ced4ddcb4097134ff3c332f>
+  </documentManagement>
+</p:properties>
 </file>
 
-<file path=customXml/itemProps3.xml><?xml version="1.0" encoding="utf-8"?>
+<file path=customXml/itemProps1.xml><?xml version="1.0" encoding="utf-8"?>
 <ds:datastoreItem xmlns:ds="http://schemas.openxmlformats.org/officeDocument/2006/customXml" ds:itemID="{E7FFC71A-CF10-4CE5-84D7-9EA3EF4E144E}">
   <ds:schemaRefs>
     <ds:schemaRef ds:uri="http://schemas.microsoft.com/office/2006/metadata/contentType"/>
@@ -6215,4 +6246,23 @@
     <ds:schemaRef ds:uri="http://schemas.microsoft.com/internal/obd"/>
   </ds:schemaRefs>
 </ds:datastoreItem>
+</file>
+
+<file path=customXml/itemProps2.xml><?xml version="1.0" encoding="utf-8"?>
+<ds:datastoreItem xmlns:ds="http://schemas.openxmlformats.org/officeDocument/2006/customXml" ds:itemID="{F533A9C5-748F-4B99-B5FD-2315A7ADF007}">
+  <ds:schemaRefs>
+    <ds:schemaRef ds:uri="http://schemas.microsoft.com/sharepoint/v3/contenttype/forms"/>
+  </ds:schemaRefs>
+</ds:datastoreItem>
+</file>
+
+<file path=customXml/itemProps3.xml><?xml version="1.0" encoding="utf-8"?>
+<ds:datastoreItem xmlns:ds="http://schemas.openxmlformats.org/officeDocument/2006/customXml" ds:itemID="{BD8BAD70-244A-4A5E-9530-A1A83B0F3AE1}">
+  <ds:schemaRefs>
+    <ds:schemaRef ds:uri="http://schemas.microsoft.com/office/2006/metadata/properties"/>
+    <ds:schemaRef ds:uri="http://schemas.microsoft.com/office/infopath/2007/PartnerControls"/>
+    <ds:schemaRef ds:uri="c6312344-3cb8-4415-bce2-2d9d86e42411"/>
+    <ds:schemaRef ds:uri="e2dd518d-5897-4c14-a15f-1f5972e2b268"/>
+  </ds:schemaRefs>
+</ds:datastoreItem>
 </file>